--- a/Documents/Presentation.pptx
+++ b/Documents/Presentation.pptx
@@ -8,6 +8,7 @@
     <p:sldId id="256" r:id="rId2"/>
     <p:sldId id="257" r:id="rId3"/>
     <p:sldId id="258" r:id="rId4"/>
+    <p:sldId id="259" r:id="rId5"/>
   </p:sldIdLst>
   <p:sldSz cx="12192000" cy="6858000"/>
   <p:notesSz cx="6858000" cy="9144000"/>
@@ -106,6 +107,11 @@
       </a:defRPr>
     </a:lvl9pPr>
   </p:defaultTextStyle>
+  <p:extLst>
+    <p:ext uri="{EFAFB233-063F-42B5-8137-9DF3F51BA10A}">
+      <p15:sldGuideLst xmlns:p15="http://schemas.microsoft.com/office/powerpoint/2012/main"/>
+    </p:ext>
+  </p:extLst>
 </p:presentation>
 </file>
 
@@ -252,7 +258,7 @@
           <a:p>
             <a:fld id="{4775E078-86BC-4D14-900F-3D2EEA7392B5}" type="datetimeFigureOut">
               <a:rPr lang="en-US" smtClean="0"/>
-              <a:t>3/10/2018</a:t>
+              <a:t>3/25/2018</a:t>
             </a:fld>
             <a:endParaRPr lang="en-US"/>
           </a:p>
@@ -422,7 +428,7 @@
           <a:p>
             <a:fld id="{4775E078-86BC-4D14-900F-3D2EEA7392B5}" type="datetimeFigureOut">
               <a:rPr lang="en-US" smtClean="0"/>
-              <a:t>3/10/2018</a:t>
+              <a:t>3/25/2018</a:t>
             </a:fld>
             <a:endParaRPr lang="en-US"/>
           </a:p>
@@ -602,7 +608,7 @@
           <a:p>
             <a:fld id="{4775E078-86BC-4D14-900F-3D2EEA7392B5}" type="datetimeFigureOut">
               <a:rPr lang="en-US" smtClean="0"/>
-              <a:t>3/10/2018</a:t>
+              <a:t>3/25/2018</a:t>
             </a:fld>
             <a:endParaRPr lang="en-US"/>
           </a:p>
@@ -772,7 +778,7 @@
           <a:p>
             <a:fld id="{4775E078-86BC-4D14-900F-3D2EEA7392B5}" type="datetimeFigureOut">
               <a:rPr lang="en-US" smtClean="0"/>
-              <a:t>3/10/2018</a:t>
+              <a:t>3/25/2018</a:t>
             </a:fld>
             <a:endParaRPr lang="en-US"/>
           </a:p>
@@ -1018,7 +1024,7 @@
           <a:p>
             <a:fld id="{4775E078-86BC-4D14-900F-3D2EEA7392B5}" type="datetimeFigureOut">
               <a:rPr lang="en-US" smtClean="0"/>
-              <a:t>3/10/2018</a:t>
+              <a:t>3/25/2018</a:t>
             </a:fld>
             <a:endParaRPr lang="en-US"/>
           </a:p>
@@ -1250,7 +1256,7 @@
           <a:p>
             <a:fld id="{4775E078-86BC-4D14-900F-3D2EEA7392B5}" type="datetimeFigureOut">
               <a:rPr lang="en-US" smtClean="0"/>
-              <a:t>3/10/2018</a:t>
+              <a:t>3/25/2018</a:t>
             </a:fld>
             <a:endParaRPr lang="en-US"/>
           </a:p>
@@ -1617,7 +1623,7 @@
           <a:p>
             <a:fld id="{4775E078-86BC-4D14-900F-3D2EEA7392B5}" type="datetimeFigureOut">
               <a:rPr lang="en-US" smtClean="0"/>
-              <a:t>3/10/2018</a:t>
+              <a:t>3/25/2018</a:t>
             </a:fld>
             <a:endParaRPr lang="en-US"/>
           </a:p>
@@ -1735,7 +1741,7 @@
           <a:p>
             <a:fld id="{4775E078-86BC-4D14-900F-3D2EEA7392B5}" type="datetimeFigureOut">
               <a:rPr lang="en-US" smtClean="0"/>
-              <a:t>3/10/2018</a:t>
+              <a:t>3/25/2018</a:t>
             </a:fld>
             <a:endParaRPr lang="en-US"/>
           </a:p>
@@ -1830,7 +1836,7 @@
           <a:p>
             <a:fld id="{4775E078-86BC-4D14-900F-3D2EEA7392B5}" type="datetimeFigureOut">
               <a:rPr lang="en-US" smtClean="0"/>
-              <a:t>3/10/2018</a:t>
+              <a:t>3/25/2018</a:t>
             </a:fld>
             <a:endParaRPr lang="en-US"/>
           </a:p>
@@ -2107,7 +2113,7 @@
           <a:p>
             <a:fld id="{4775E078-86BC-4D14-900F-3D2EEA7392B5}" type="datetimeFigureOut">
               <a:rPr lang="en-US" smtClean="0"/>
-              <a:t>3/10/2018</a:t>
+              <a:t>3/25/2018</a:t>
             </a:fld>
             <a:endParaRPr lang="en-US"/>
           </a:p>
@@ -2360,7 +2366,7 @@
           <a:p>
             <a:fld id="{4775E078-86BC-4D14-900F-3D2EEA7392B5}" type="datetimeFigureOut">
               <a:rPr lang="en-US" smtClean="0"/>
-              <a:t>3/10/2018</a:t>
+              <a:t>3/25/2018</a:t>
             </a:fld>
             <a:endParaRPr lang="en-US"/>
           </a:p>
@@ -2573,7 +2579,7 @@
           <a:p>
             <a:fld id="{4775E078-86BC-4D14-900F-3D2EEA7392B5}" type="datetimeFigureOut">
               <a:rPr lang="en-US" smtClean="0"/>
-              <a:t>3/10/2018</a:t>
+              <a:t>3/25/2018</a:t>
             </a:fld>
             <a:endParaRPr lang="en-US"/>
           </a:p>
@@ -4575,6 +4581,175 @@
 </p:sld>
 </file>
 
+<file path=ppt/slides/slide4.xml><?xml version="1.0" encoding="utf-8"?>
+<p:sld xmlns:a="http://schemas.openxmlformats.org/drawingml/2006/main" xmlns:r="http://schemas.openxmlformats.org/officeDocument/2006/relationships" xmlns:p="http://schemas.openxmlformats.org/presentationml/2006/main">
+  <p:cSld>
+    <p:spTree>
+      <p:nvGrpSpPr>
+        <p:cNvPr id="1" name=""/>
+        <p:cNvGrpSpPr/>
+        <p:nvPr/>
+      </p:nvGrpSpPr>
+      <p:grpSpPr>
+        <a:xfrm>
+          <a:off x="0" y="0"/>
+          <a:ext cx="0" cy="0"/>
+          <a:chOff x="0" y="0"/>
+          <a:chExt cx="0" cy="0"/>
+        </a:xfrm>
+      </p:grpSpPr>
+      <p:sp>
+        <p:nvSpPr>
+          <p:cNvPr id="4" name="Rounded Rectangle 3"/>
+          <p:cNvSpPr/>
+          <p:nvPr/>
+        </p:nvSpPr>
+        <p:spPr>
+          <a:xfrm>
+            <a:off x="536448" y="344949"/>
+            <a:ext cx="1755648" cy="829056"/>
+          </a:xfrm>
+          <a:prstGeom prst="roundRect">
+            <a:avLst/>
+          </a:prstGeom>
+        </p:spPr>
+        <p:style>
+          <a:lnRef idx="2">
+            <a:schemeClr val="accent1">
+              <a:shade val="50000"/>
+            </a:schemeClr>
+          </a:lnRef>
+          <a:fillRef idx="1">
+            <a:schemeClr val="accent1"/>
+          </a:fillRef>
+          <a:effectRef idx="0">
+            <a:schemeClr val="accent1"/>
+          </a:effectRef>
+          <a:fontRef idx="minor">
+            <a:schemeClr val="lt1"/>
+          </a:fontRef>
+        </p:style>
+        <p:txBody>
+          <a:bodyPr rtlCol="0" anchor="ctr"/>
+          <a:lstStyle/>
+          <a:p>
+            <a:pPr algn="ctr"/>
+            <a:r>
+              <a:rPr lang="en-US" smtClean="0"/>
+              <a:t>Login</a:t>
+            </a:r>
+            <a:endParaRPr lang="en-US"/>
+          </a:p>
+        </p:txBody>
+      </p:sp>
+      <p:cxnSp>
+        <p:nvCxnSpPr>
+          <p:cNvPr id="6" name="Straight Arrow Connector 5"/>
+          <p:cNvCxnSpPr>
+            <a:stCxn id="4" idx="3"/>
+          </p:cNvCxnSpPr>
+          <p:nvPr/>
+        </p:nvCxnSpPr>
+        <p:spPr>
+          <a:xfrm>
+            <a:off x="2292096" y="759477"/>
+            <a:ext cx="2365248" cy="0"/>
+          </a:xfrm>
+          <a:prstGeom prst="straightConnector1">
+            <a:avLst/>
+          </a:prstGeom>
+          <a:ln>
+            <a:tailEnd type="triangle"/>
+          </a:ln>
+        </p:spPr>
+        <p:style>
+          <a:lnRef idx="1">
+            <a:schemeClr val="accent1"/>
+          </a:lnRef>
+          <a:fillRef idx="0">
+            <a:schemeClr val="accent1"/>
+          </a:fillRef>
+          <a:effectRef idx="0">
+            <a:schemeClr val="accent1"/>
+          </a:effectRef>
+          <a:fontRef idx="minor">
+            <a:schemeClr val="tx1"/>
+          </a:fontRef>
+        </p:style>
+      </p:cxnSp>
+      <p:sp>
+        <p:nvSpPr>
+          <p:cNvPr id="12" name="TextBox 11"/>
+          <p:cNvSpPr txBox="1"/>
+          <p:nvPr/>
+        </p:nvSpPr>
+        <p:spPr>
+          <a:xfrm>
+            <a:off x="3023616" y="390145"/>
+            <a:ext cx="738898" cy="369332"/>
+          </a:xfrm>
+          <a:prstGeom prst="rect">
+            <a:avLst/>
+          </a:prstGeom>
+          <a:noFill/>
+        </p:spPr>
+        <p:txBody>
+          <a:bodyPr wrap="square" rtlCol="0">
+            <a:spAutoFit/>
+          </a:bodyPr>
+          <a:lstStyle/>
+          <a:p>
+            <a:r>
+              <a:rPr lang="en-US" smtClean="0"/>
+              <a:t>True</a:t>
+            </a:r>
+            <a:endParaRPr lang="en-US"/>
+          </a:p>
+        </p:txBody>
+      </p:sp>
+      <p:sp>
+        <p:nvSpPr>
+          <p:cNvPr id="13" name="TextBox 12"/>
+          <p:cNvSpPr txBox="1"/>
+          <p:nvPr/>
+        </p:nvSpPr>
+        <p:spPr>
+          <a:xfrm>
+            <a:off x="3762514" y="1752076"/>
+            <a:ext cx="652936" cy="369332"/>
+          </a:xfrm>
+          <a:prstGeom prst="rect">
+            <a:avLst/>
+          </a:prstGeom>
+          <a:noFill/>
+        </p:spPr>
+        <p:txBody>
+          <a:bodyPr wrap="none" rtlCol="0">
+            <a:spAutoFit/>
+          </a:bodyPr>
+          <a:lstStyle/>
+          <a:p>
+            <a:r>
+              <a:rPr lang="en-US" smtClean="0"/>
+              <a:t>False</a:t>
+            </a:r>
+            <a:endParaRPr lang="en-US"/>
+          </a:p>
+        </p:txBody>
+      </p:sp>
+    </p:spTree>
+    <p:extLst>
+      <p:ext uri="{BB962C8B-B14F-4D97-AF65-F5344CB8AC3E}">
+        <p14:creationId xmlns:p14="http://schemas.microsoft.com/office/powerpoint/2010/main" val="1971687138"/>
+      </p:ext>
+    </p:extLst>
+  </p:cSld>
+  <p:clrMapOvr>
+    <a:masterClrMapping/>
+  </p:clrMapOvr>
+</p:sld>
+</file>
+
 <file path=ppt/theme/theme1.xml><?xml version="1.0" encoding="utf-8"?>
 <a:theme xmlns:a="http://schemas.openxmlformats.org/drawingml/2006/main" name="Office Theme">
   <a:themeElements>
